--- a/doc/JAM LAND_웹서프final예비.pptx
+++ b/doc/JAM LAND_웹서프final예비.pptx
@@ -202,7 +202,7 @@
           <a:p>
             <a:fld id="{7D9C3A5C-62FC-4E22-B27D-2A6BFB67F9F6}" type="datetimeFigureOut">
               <a:rPr lang="ko-KR" altLang="en-US" smtClean="0"/>
-              <a:t>2016-06-03</a:t>
+              <a:t>2016-06-05</a:t>
             </a:fld>
             <a:endParaRPr lang="ko-KR" altLang="en-US"/>
           </a:p>
@@ -743,7 +743,7 @@
           <a:p>
             <a:fld id="{6182C935-0E14-4891-8B35-9AA240A71E44}" type="datetimeFigureOut">
               <a:rPr lang="ko-KR" altLang="en-US" smtClean="0"/>
-              <a:t>2016-06-03</a:t>
+              <a:t>2016-06-05</a:t>
             </a:fld>
             <a:endParaRPr lang="ko-KR" altLang="en-US"/>
           </a:p>
@@ -913,7 +913,7 @@
           <a:p>
             <a:fld id="{6182C935-0E14-4891-8B35-9AA240A71E44}" type="datetimeFigureOut">
               <a:rPr lang="ko-KR" altLang="en-US" smtClean="0"/>
-              <a:t>2016-06-03</a:t>
+              <a:t>2016-06-05</a:t>
             </a:fld>
             <a:endParaRPr lang="ko-KR" altLang="en-US"/>
           </a:p>
@@ -1093,7 +1093,7 @@
           <a:p>
             <a:fld id="{6182C935-0E14-4891-8B35-9AA240A71E44}" type="datetimeFigureOut">
               <a:rPr lang="ko-KR" altLang="en-US" smtClean="0"/>
-              <a:t>2016-06-03</a:t>
+              <a:t>2016-06-05</a:t>
             </a:fld>
             <a:endParaRPr lang="ko-KR" altLang="en-US"/>
           </a:p>
@@ -1263,7 +1263,7 @@
           <a:p>
             <a:fld id="{6182C935-0E14-4891-8B35-9AA240A71E44}" type="datetimeFigureOut">
               <a:rPr lang="ko-KR" altLang="en-US" smtClean="0"/>
-              <a:t>2016-06-03</a:t>
+              <a:t>2016-06-05</a:t>
             </a:fld>
             <a:endParaRPr lang="ko-KR" altLang="en-US"/>
           </a:p>
@@ -1509,7 +1509,7 @@
           <a:p>
             <a:fld id="{6182C935-0E14-4891-8B35-9AA240A71E44}" type="datetimeFigureOut">
               <a:rPr lang="ko-KR" altLang="en-US" smtClean="0"/>
-              <a:t>2016-06-03</a:t>
+              <a:t>2016-06-05</a:t>
             </a:fld>
             <a:endParaRPr lang="ko-KR" altLang="en-US"/>
           </a:p>
@@ -1797,7 +1797,7 @@
           <a:p>
             <a:fld id="{6182C935-0E14-4891-8B35-9AA240A71E44}" type="datetimeFigureOut">
               <a:rPr lang="ko-KR" altLang="en-US" smtClean="0"/>
-              <a:t>2016-06-03</a:t>
+              <a:t>2016-06-05</a:t>
             </a:fld>
             <a:endParaRPr lang="ko-KR" altLang="en-US"/>
           </a:p>
@@ -2219,7 +2219,7 @@
           <a:p>
             <a:fld id="{6182C935-0E14-4891-8B35-9AA240A71E44}" type="datetimeFigureOut">
               <a:rPr lang="ko-KR" altLang="en-US" smtClean="0"/>
-              <a:t>2016-06-03</a:t>
+              <a:t>2016-06-05</a:t>
             </a:fld>
             <a:endParaRPr lang="ko-KR" altLang="en-US"/>
           </a:p>
@@ -2337,7 +2337,7 @@
           <a:p>
             <a:fld id="{6182C935-0E14-4891-8B35-9AA240A71E44}" type="datetimeFigureOut">
               <a:rPr lang="ko-KR" altLang="en-US" smtClean="0"/>
-              <a:t>2016-06-03</a:t>
+              <a:t>2016-06-05</a:t>
             </a:fld>
             <a:endParaRPr lang="ko-KR" altLang="en-US"/>
           </a:p>
@@ -2432,7 +2432,7 @@
           <a:p>
             <a:fld id="{6182C935-0E14-4891-8B35-9AA240A71E44}" type="datetimeFigureOut">
               <a:rPr lang="ko-KR" altLang="en-US" smtClean="0"/>
-              <a:t>2016-06-03</a:t>
+              <a:t>2016-06-05</a:t>
             </a:fld>
             <a:endParaRPr lang="ko-KR" altLang="en-US"/>
           </a:p>
@@ -2709,7 +2709,7 @@
           <a:p>
             <a:fld id="{6182C935-0E14-4891-8B35-9AA240A71E44}" type="datetimeFigureOut">
               <a:rPr lang="ko-KR" altLang="en-US" smtClean="0"/>
-              <a:t>2016-06-03</a:t>
+              <a:t>2016-06-05</a:t>
             </a:fld>
             <a:endParaRPr lang="ko-KR" altLang="en-US"/>
           </a:p>
@@ -2962,7 +2962,7 @@
           <a:p>
             <a:fld id="{6182C935-0E14-4891-8B35-9AA240A71E44}" type="datetimeFigureOut">
               <a:rPr lang="ko-KR" altLang="en-US" smtClean="0"/>
-              <a:t>2016-06-03</a:t>
+              <a:t>2016-06-05</a:t>
             </a:fld>
             <a:endParaRPr lang="ko-KR" altLang="en-US"/>
           </a:p>
@@ -3175,7 +3175,7 @@
           <a:p>
             <a:fld id="{6182C935-0E14-4891-8B35-9AA240A71E44}" type="datetimeFigureOut">
               <a:rPr lang="ko-KR" altLang="en-US" smtClean="0"/>
-              <a:t>2016-06-03</a:t>
+              <a:t>2016-06-05</a:t>
             </a:fld>
             <a:endParaRPr lang="ko-KR" altLang="en-US"/>
           </a:p>
@@ -3653,23 +3653,8 @@
                 </a:solidFill>
                 <a:latin typeface="Adobe Heiti Std R" pitchFamily="34" charset="-128"/>
               </a:rPr>
-              <a:t>2016. </a:t>
-            </a:r>
-            <a:r>
-              <a:rPr lang="en-US" altLang="ko-KR" sz="1600" dirty="0" smtClean="0">
-                <a:solidFill>
-                  <a:schemeClr val="tx1"/>
-                </a:solidFill>
-                <a:latin typeface="Adobe Heiti Std R" pitchFamily="34" charset="-128"/>
-              </a:rPr>
-              <a:t>06. 03</a:t>
-            </a:r>
-            <a:endParaRPr lang="en-US" altLang="ko-KR" sz="1600" dirty="0" smtClean="0">
-              <a:solidFill>
-                <a:schemeClr val="tx1"/>
-              </a:solidFill>
-              <a:latin typeface="Adobe Heiti Std R" pitchFamily="34" charset="-128"/>
-            </a:endParaRPr>
+              <a:t>2016. 06. 03</a:t>
+            </a:r>
           </a:p>
           <a:p>
             <a:r>
@@ -4359,18 +4344,18 @@
               </a:lnSpc>
             </a:pPr>
             <a:r>
-              <a:rPr lang="en-US" altLang="ko-KR" sz="2800" b="1" dirty="0" err="1" smtClean="0"/>
+              <a:rPr lang="en-US" altLang="ko-KR" sz="2800" b="1" strike="sngStrike" dirty="0" err="1" smtClean="0"/>
               <a:t>Bluemix</a:t>
             </a:r>
             <a:r>
-              <a:rPr lang="en-US" altLang="ko-KR" sz="2800" b="1" dirty="0" smtClean="0"/>
+              <a:rPr lang="en-US" altLang="ko-KR" sz="2800" b="1" strike="sngStrike" dirty="0" smtClean="0"/>
               <a:t> API </a:t>
             </a:r>
             <a:r>
-              <a:rPr lang="ko-KR" altLang="en-US" sz="2800" b="1" dirty="0" smtClean="0"/>
+              <a:rPr lang="ko-KR" altLang="en-US" sz="2800" b="1" strike="sngStrike" dirty="0" smtClean="0"/>
               <a:t>문제</a:t>
             </a:r>
-            <a:endParaRPr lang="en-US" altLang="ko-KR" sz="2800" b="1" dirty="0" smtClean="0"/>
+            <a:endParaRPr lang="en-US" altLang="ko-KR" sz="2800" b="1" strike="sngStrike" dirty="0" smtClean="0"/>
           </a:p>
           <a:p>
             <a:pPr>
@@ -4427,22 +4412,22 @@
               </a:lnSpc>
             </a:pPr>
             <a:r>
-              <a:rPr lang="en-US" altLang="ko-KR" sz="2800" b="1" dirty="0" smtClean="0"/>
+              <a:rPr lang="en-US" altLang="ko-KR" sz="2800" b="1" strike="sngStrike" dirty="0" smtClean="0"/>
               <a:t>Database h2</a:t>
             </a:r>
             <a:r>
-              <a:rPr lang="ko-KR" altLang="en-US" sz="2800" b="1" dirty="0" smtClean="0"/>
+              <a:rPr lang="ko-KR" altLang="en-US" sz="2800" b="1" strike="sngStrike" dirty="0" smtClean="0"/>
               <a:t>사용시</a:t>
             </a:r>
             <a:r>
-              <a:rPr lang="en-US" altLang="ko-KR" sz="2800" b="1" dirty="0" smtClean="0"/>
+              <a:rPr lang="en-US" altLang="ko-KR" sz="2800" b="1" strike="sngStrike" dirty="0" smtClean="0"/>
               <a:t> – table </a:t>
             </a:r>
             <a:r>
-              <a:rPr lang="ko-KR" altLang="en-US" sz="2800" b="1" dirty="0" smtClean="0"/>
+              <a:rPr lang="ko-KR" altLang="en-US" sz="2800" b="1" strike="sngStrike" dirty="0" smtClean="0"/>
               <a:t>선언문제</a:t>
             </a:r>
-            <a:endParaRPr lang="ko-KR" altLang="en-US" sz="2800" b="1" dirty="0"/>
+            <a:endParaRPr lang="ko-KR" altLang="en-US" sz="2800" b="1" strike="sngStrike" dirty="0"/>
           </a:p>
         </p:txBody>
       </p:sp>
@@ -10044,34 +10029,7 @@
               <a:srgbClr val="FFFFFF"/>
             </a:contourClr>
           </a:sp3d>
-          <a:extLst>
-            <a:ext uri="{909E8E84-426E-40DD-AFC4-6F175D3DCCD1}">
-              <a14:hiddenFill xmlns:a14="http://schemas.microsoft.com/office/drawing/2010/main">
-                <a:solidFill>
-                  <a:schemeClr val="accent1"/>
-                </a:solidFill>
-              </a14:hiddenFill>
-            </a:ext>
-            <a:ext uri="{91240B29-F687-4F45-9708-019B960494DF}">
-              <a14:hiddenLine xmlns:a14="http://schemas.microsoft.com/office/drawing/2010/main" w="9525">
-                <a:solidFill>
-                  <a:schemeClr val="tx1"/>
-                </a:solidFill>
-                <a:miter lim="800000"/>
-                <a:headEnd/>
-                <a:tailEnd/>
-              </a14:hiddenLine>
-            </a:ext>
-            <a:ext uri="{AF507438-7753-43E0-B8FC-AC1667EBCBE1}">
-              <a14:hiddenEffects xmlns:a14="http://schemas.microsoft.com/office/drawing/2010/main">
-                <a:effectLst>
-                  <a:outerShdw dist="35921" dir="2700000" algn="ctr" rotWithShape="0">
-                    <a:schemeClr val="bg2"/>
-                  </a:outerShdw>
-                </a:effectLst>
-              </a14:hiddenEffects>
-            </a:ext>
-          </a:extLst>
+          <a:extLst/>
         </p:spPr>
       </p:pic>
       <p:pic>
@@ -10133,34 +10091,7 @@
               <a:srgbClr val="FFFFFF"/>
             </a:contourClr>
           </a:sp3d>
-          <a:extLst>
-            <a:ext uri="{909E8E84-426E-40DD-AFC4-6F175D3DCCD1}">
-              <a14:hiddenFill xmlns:a14="http://schemas.microsoft.com/office/drawing/2010/main">
-                <a:solidFill>
-                  <a:schemeClr val="accent1"/>
-                </a:solidFill>
-              </a14:hiddenFill>
-            </a:ext>
-            <a:ext uri="{91240B29-F687-4F45-9708-019B960494DF}">
-              <a14:hiddenLine xmlns:a14="http://schemas.microsoft.com/office/drawing/2010/main" w="9525">
-                <a:solidFill>
-                  <a:schemeClr val="tx1"/>
-                </a:solidFill>
-                <a:miter lim="800000"/>
-                <a:headEnd/>
-                <a:tailEnd/>
-              </a14:hiddenLine>
-            </a:ext>
-            <a:ext uri="{AF507438-7753-43E0-B8FC-AC1667EBCBE1}">
-              <a14:hiddenEffects xmlns:a14="http://schemas.microsoft.com/office/drawing/2010/main">
-                <a:effectLst>
-                  <a:outerShdw dist="35921" dir="2700000" algn="ctr" rotWithShape="0">
-                    <a:schemeClr val="bg2"/>
-                  </a:outerShdw>
-                </a:effectLst>
-              </a14:hiddenEffects>
-            </a:ext>
-          </a:extLst>
+          <a:extLst/>
         </p:spPr>
       </p:pic>
       <p:pic>
@@ -10222,34 +10153,7 @@
               <a:srgbClr val="FFFFFF"/>
             </a:contourClr>
           </a:sp3d>
-          <a:extLst>
-            <a:ext uri="{909E8E84-426E-40DD-AFC4-6F175D3DCCD1}">
-              <a14:hiddenFill xmlns:a14="http://schemas.microsoft.com/office/drawing/2010/main">
-                <a:solidFill>
-                  <a:schemeClr val="accent1"/>
-                </a:solidFill>
-              </a14:hiddenFill>
-            </a:ext>
-            <a:ext uri="{91240B29-F687-4F45-9708-019B960494DF}">
-              <a14:hiddenLine xmlns:a14="http://schemas.microsoft.com/office/drawing/2010/main" w="9525">
-                <a:solidFill>
-                  <a:schemeClr val="tx1"/>
-                </a:solidFill>
-                <a:miter lim="800000"/>
-                <a:headEnd/>
-                <a:tailEnd/>
-              </a14:hiddenLine>
-            </a:ext>
-            <a:ext uri="{AF507438-7753-43E0-B8FC-AC1667EBCBE1}">
-              <a14:hiddenEffects xmlns:a14="http://schemas.microsoft.com/office/drawing/2010/main">
-                <a:effectLst>
-                  <a:outerShdw dist="35921" dir="2700000" algn="ctr" rotWithShape="0">
-                    <a:schemeClr val="bg2"/>
-                  </a:outerShdw>
-                </a:effectLst>
-              </a14:hiddenEffects>
-            </a:ext>
-          </a:extLst>
+          <a:extLst/>
         </p:spPr>
       </p:pic>
       <p:pic>
@@ -10311,34 +10215,7 @@
               <a:srgbClr val="FFFFFF"/>
             </a:contourClr>
           </a:sp3d>
-          <a:extLst>
-            <a:ext uri="{909E8E84-426E-40DD-AFC4-6F175D3DCCD1}">
-              <a14:hiddenFill xmlns:a14="http://schemas.microsoft.com/office/drawing/2010/main">
-                <a:solidFill>
-                  <a:schemeClr val="accent1"/>
-                </a:solidFill>
-              </a14:hiddenFill>
-            </a:ext>
-            <a:ext uri="{91240B29-F687-4F45-9708-019B960494DF}">
-              <a14:hiddenLine xmlns:a14="http://schemas.microsoft.com/office/drawing/2010/main" w="9525">
-                <a:solidFill>
-                  <a:schemeClr val="tx1"/>
-                </a:solidFill>
-                <a:miter lim="800000"/>
-                <a:headEnd/>
-                <a:tailEnd/>
-              </a14:hiddenLine>
-            </a:ext>
-            <a:ext uri="{AF507438-7753-43E0-B8FC-AC1667EBCBE1}">
-              <a14:hiddenEffects xmlns:a14="http://schemas.microsoft.com/office/drawing/2010/main">
-                <a:effectLst>
-                  <a:outerShdw dist="35921" dir="2700000" algn="ctr" rotWithShape="0">
-                    <a:schemeClr val="bg2"/>
-                  </a:outerShdw>
-                </a:effectLst>
-              </a14:hiddenEffects>
-            </a:ext>
-          </a:extLst>
+          <a:extLst/>
         </p:spPr>
       </p:pic>
       <p:pic>
@@ -10400,34 +10277,7 @@
               <a:srgbClr val="FFFFFF"/>
             </a:contourClr>
           </a:sp3d>
-          <a:extLst>
-            <a:ext uri="{909E8E84-426E-40DD-AFC4-6F175D3DCCD1}">
-              <a14:hiddenFill xmlns:a14="http://schemas.microsoft.com/office/drawing/2010/main">
-                <a:solidFill>
-                  <a:schemeClr val="accent1"/>
-                </a:solidFill>
-              </a14:hiddenFill>
-            </a:ext>
-            <a:ext uri="{91240B29-F687-4F45-9708-019B960494DF}">
-              <a14:hiddenLine xmlns:a14="http://schemas.microsoft.com/office/drawing/2010/main" w="9525">
-                <a:solidFill>
-                  <a:schemeClr val="tx1"/>
-                </a:solidFill>
-                <a:miter lim="800000"/>
-                <a:headEnd/>
-                <a:tailEnd/>
-              </a14:hiddenLine>
-            </a:ext>
-            <a:ext uri="{AF507438-7753-43E0-B8FC-AC1667EBCBE1}">
-              <a14:hiddenEffects xmlns:a14="http://schemas.microsoft.com/office/drawing/2010/main">
-                <a:effectLst>
-                  <a:outerShdw dist="35921" dir="2700000" algn="ctr" rotWithShape="0">
-                    <a:schemeClr val="bg2"/>
-                  </a:outerShdw>
-                </a:effectLst>
-              </a14:hiddenEffects>
-            </a:ext>
-          </a:extLst>
+          <a:extLst/>
         </p:spPr>
       </p:pic>
       <p:pic>
@@ -10489,34 +10339,7 @@
               <a:srgbClr val="FFFFFF"/>
             </a:contourClr>
           </a:sp3d>
-          <a:extLst>
-            <a:ext uri="{909E8E84-426E-40DD-AFC4-6F175D3DCCD1}">
-              <a14:hiddenFill xmlns:a14="http://schemas.microsoft.com/office/drawing/2010/main">
-                <a:solidFill>
-                  <a:schemeClr val="accent1"/>
-                </a:solidFill>
-              </a14:hiddenFill>
-            </a:ext>
-            <a:ext uri="{91240B29-F687-4F45-9708-019B960494DF}">
-              <a14:hiddenLine xmlns:a14="http://schemas.microsoft.com/office/drawing/2010/main" w="9525">
-                <a:solidFill>
-                  <a:schemeClr val="tx1"/>
-                </a:solidFill>
-                <a:miter lim="800000"/>
-                <a:headEnd/>
-                <a:tailEnd/>
-              </a14:hiddenLine>
-            </a:ext>
-            <a:ext uri="{AF507438-7753-43E0-B8FC-AC1667EBCBE1}">
-              <a14:hiddenEffects xmlns:a14="http://schemas.microsoft.com/office/drawing/2010/main">
-                <a:effectLst>
-                  <a:outerShdw dist="35921" dir="2700000" algn="ctr" rotWithShape="0">
-                    <a:schemeClr val="bg2"/>
-                  </a:outerShdw>
-                </a:effectLst>
-              </a14:hiddenEffects>
-            </a:ext>
-          </a:extLst>
+          <a:extLst/>
         </p:spPr>
       </p:pic>
     </p:spTree>
@@ -11106,7 +10929,7 @@
         </p:nvGraphicFramePr>
         <p:xfrm>
           <a:off x="827584" y="2369951"/>
-          <a:ext cx="1416131" cy="771017"/>
+          <a:ext cx="1416131" cy="785368"/>
         </p:xfrm>
         <a:graphic>
           <a:graphicData uri="http://schemas.openxmlformats.org/drawingml/2006/table">
@@ -11383,7 +11206,7 @@
         </p:nvGraphicFramePr>
         <p:xfrm>
           <a:off x="3517905" y="2222516"/>
-          <a:ext cx="2108190" cy="2419477"/>
+          <a:ext cx="2108190" cy="2433828"/>
         </p:xfrm>
         <a:graphic>
           <a:graphicData uri="http://schemas.openxmlformats.org/drawingml/2006/table">
@@ -11874,7 +11697,7 @@
         </p:nvGraphicFramePr>
         <p:xfrm>
           <a:off x="4572000" y="4869160"/>
-          <a:ext cx="4032231" cy="961517"/>
+          <a:ext cx="4032231" cy="975868"/>
         </p:xfrm>
         <a:graphic>
           <a:graphicData uri="http://schemas.openxmlformats.org/drawingml/2006/table">
@@ -12151,7 +11974,7 @@
         </p:nvGraphicFramePr>
         <p:xfrm>
           <a:off x="6156176" y="3573016"/>
-          <a:ext cx="1871991" cy="712597"/>
+          <a:ext cx="1871991" cy="726948"/>
         </p:xfrm>
         <a:graphic>
           <a:graphicData uri="http://schemas.openxmlformats.org/drawingml/2006/table">
@@ -12394,13 +12217,13 @@
         </p:nvCxnSpPr>
         <p:spPr>
           <a:xfrm flipH="1">
-            <a:off x="2195735" y="2755459"/>
-            <a:ext cx="47980" cy="817557"/>
+            <a:off x="2195735" y="2762635"/>
+            <a:ext cx="47980" cy="810381"/>
           </a:xfrm>
           <a:prstGeom prst="bentConnector4">
             <a:avLst>
               <a:gd name="adj1" fmla="val -476449"/>
-              <a:gd name="adj2" fmla="val 73577"/>
+              <a:gd name="adj2" fmla="val 74228"/>
             </a:avLst>
           </a:prstGeom>
         </p:spPr>
@@ -12429,12 +12252,12 @@
         </p:nvCxnSpPr>
         <p:spPr>
           <a:xfrm flipV="1">
-            <a:off x="2195735" y="3432254"/>
-            <a:ext cx="1322170" cy="860842"/>
+            <a:off x="2195735" y="3439430"/>
+            <a:ext cx="1322170" cy="853666"/>
           </a:xfrm>
           <a:prstGeom prst="bentConnector3">
             <a:avLst>
-              <a:gd name="adj1" fmla="val 69365"/>
+              <a:gd name="adj1" fmla="val 50000"/>
             </a:avLst>
           </a:prstGeom>
         </p:spPr>
@@ -12752,7 +12575,7 @@
         </p:nvGraphicFramePr>
         <p:xfrm>
           <a:off x="1691788" y="3573016"/>
-          <a:ext cx="1007895" cy="736346"/>
+          <a:ext cx="1007895" cy="803148"/>
         </p:xfrm>
         <a:graphic>
           <a:graphicData uri="http://schemas.openxmlformats.org/drawingml/2006/table">
@@ -13382,7 +13205,7 @@
         </p:nvGraphicFramePr>
         <p:xfrm>
           <a:off x="6021038" y="769938"/>
-          <a:ext cx="2466247" cy="1410716"/>
+          <a:ext cx="2466247" cy="1458468"/>
         </p:xfrm>
         <a:graphic>
           <a:graphicData uri="http://schemas.openxmlformats.org/drawingml/2006/table">
@@ -13796,8 +13619,8 @@
         </p:nvCxnSpPr>
         <p:spPr>
           <a:xfrm rot="10800000" flipV="1">
-            <a:off x="4572000" y="1475296"/>
-            <a:ext cx="1449038" cy="747220"/>
+            <a:off x="4572000" y="1499172"/>
+            <a:ext cx="1449038" cy="723344"/>
           </a:xfrm>
           <a:prstGeom prst="bentConnector2">
             <a:avLst/>
@@ -13833,12 +13656,12 @@
         <p:spPr>
           <a:xfrm flipH="1" flipV="1">
             <a:off x="7254161" y="769938"/>
-            <a:ext cx="1233124" cy="705358"/>
+            <a:ext cx="1233124" cy="729234"/>
           </a:xfrm>
           <a:prstGeom prst="bentConnector4">
             <a:avLst>
               <a:gd name="adj1" fmla="val -18538"/>
-              <a:gd name="adj2" fmla="val 132409"/>
+              <a:gd name="adj2" fmla="val 131348"/>
             </a:avLst>
           </a:prstGeom>
           <a:ln>
@@ -14386,7 +14209,6 @@
               <a:rPr lang="ko-KR" altLang="en-US" sz="2800" dirty="0"/>
               <a:t>현</a:t>
             </a:r>
-            <a:endParaRPr lang="ko-KR" altLang="en-US" sz="2800" dirty="0"/>
           </a:p>
         </p:txBody>
       </p:sp>

--- a/doc/JAM LAND_웹서프final예비.pptx
+++ b/doc/JAM LAND_웹서프final예비.pptx
@@ -202,7 +202,7 @@
           <a:p>
             <a:fld id="{7D9C3A5C-62FC-4E22-B27D-2A6BFB67F9F6}" type="datetimeFigureOut">
               <a:rPr lang="ko-KR" altLang="en-US" smtClean="0"/>
-              <a:t>2016-06-05</a:t>
+              <a:t>2016-06-06</a:t>
             </a:fld>
             <a:endParaRPr lang="ko-KR" altLang="en-US"/>
           </a:p>
@@ -743,7 +743,7 @@
           <a:p>
             <a:fld id="{6182C935-0E14-4891-8B35-9AA240A71E44}" type="datetimeFigureOut">
               <a:rPr lang="ko-KR" altLang="en-US" smtClean="0"/>
-              <a:t>2016-06-05</a:t>
+              <a:t>2016-06-06</a:t>
             </a:fld>
             <a:endParaRPr lang="ko-KR" altLang="en-US"/>
           </a:p>
@@ -913,7 +913,7 @@
           <a:p>
             <a:fld id="{6182C935-0E14-4891-8B35-9AA240A71E44}" type="datetimeFigureOut">
               <a:rPr lang="ko-KR" altLang="en-US" smtClean="0"/>
-              <a:t>2016-06-05</a:t>
+              <a:t>2016-06-06</a:t>
             </a:fld>
             <a:endParaRPr lang="ko-KR" altLang="en-US"/>
           </a:p>
@@ -1093,7 +1093,7 @@
           <a:p>
             <a:fld id="{6182C935-0E14-4891-8B35-9AA240A71E44}" type="datetimeFigureOut">
               <a:rPr lang="ko-KR" altLang="en-US" smtClean="0"/>
-              <a:t>2016-06-05</a:t>
+              <a:t>2016-06-06</a:t>
             </a:fld>
             <a:endParaRPr lang="ko-KR" altLang="en-US"/>
           </a:p>
@@ -1263,7 +1263,7 @@
           <a:p>
             <a:fld id="{6182C935-0E14-4891-8B35-9AA240A71E44}" type="datetimeFigureOut">
               <a:rPr lang="ko-KR" altLang="en-US" smtClean="0"/>
-              <a:t>2016-06-05</a:t>
+              <a:t>2016-06-06</a:t>
             </a:fld>
             <a:endParaRPr lang="ko-KR" altLang="en-US"/>
           </a:p>
@@ -1509,7 +1509,7 @@
           <a:p>
             <a:fld id="{6182C935-0E14-4891-8B35-9AA240A71E44}" type="datetimeFigureOut">
               <a:rPr lang="ko-KR" altLang="en-US" smtClean="0"/>
-              <a:t>2016-06-05</a:t>
+              <a:t>2016-06-06</a:t>
             </a:fld>
             <a:endParaRPr lang="ko-KR" altLang="en-US"/>
           </a:p>
@@ -1797,7 +1797,7 @@
           <a:p>
             <a:fld id="{6182C935-0E14-4891-8B35-9AA240A71E44}" type="datetimeFigureOut">
               <a:rPr lang="ko-KR" altLang="en-US" smtClean="0"/>
-              <a:t>2016-06-05</a:t>
+              <a:t>2016-06-06</a:t>
             </a:fld>
             <a:endParaRPr lang="ko-KR" altLang="en-US"/>
           </a:p>
@@ -2219,7 +2219,7 @@
           <a:p>
             <a:fld id="{6182C935-0E14-4891-8B35-9AA240A71E44}" type="datetimeFigureOut">
               <a:rPr lang="ko-KR" altLang="en-US" smtClean="0"/>
-              <a:t>2016-06-05</a:t>
+              <a:t>2016-06-06</a:t>
             </a:fld>
             <a:endParaRPr lang="ko-KR" altLang="en-US"/>
           </a:p>
@@ -2337,7 +2337,7 @@
           <a:p>
             <a:fld id="{6182C935-0E14-4891-8B35-9AA240A71E44}" type="datetimeFigureOut">
               <a:rPr lang="ko-KR" altLang="en-US" smtClean="0"/>
-              <a:t>2016-06-05</a:t>
+              <a:t>2016-06-06</a:t>
             </a:fld>
             <a:endParaRPr lang="ko-KR" altLang="en-US"/>
           </a:p>
@@ -2432,7 +2432,7 @@
           <a:p>
             <a:fld id="{6182C935-0E14-4891-8B35-9AA240A71E44}" type="datetimeFigureOut">
               <a:rPr lang="ko-KR" altLang="en-US" smtClean="0"/>
-              <a:t>2016-06-05</a:t>
+              <a:t>2016-06-06</a:t>
             </a:fld>
             <a:endParaRPr lang="ko-KR" altLang="en-US"/>
           </a:p>
@@ -2709,7 +2709,7 @@
           <a:p>
             <a:fld id="{6182C935-0E14-4891-8B35-9AA240A71E44}" type="datetimeFigureOut">
               <a:rPr lang="ko-KR" altLang="en-US" smtClean="0"/>
-              <a:t>2016-06-05</a:t>
+              <a:t>2016-06-06</a:t>
             </a:fld>
             <a:endParaRPr lang="ko-KR" altLang="en-US"/>
           </a:p>
@@ -2962,7 +2962,7 @@
           <a:p>
             <a:fld id="{6182C935-0E14-4891-8B35-9AA240A71E44}" type="datetimeFigureOut">
               <a:rPr lang="ko-KR" altLang="en-US" smtClean="0"/>
-              <a:t>2016-06-05</a:t>
+              <a:t>2016-06-06</a:t>
             </a:fld>
             <a:endParaRPr lang="ko-KR" altLang="en-US"/>
           </a:p>
@@ -3175,7 +3175,7 @@
           <a:p>
             <a:fld id="{6182C935-0E14-4891-8B35-9AA240A71E44}" type="datetimeFigureOut">
               <a:rPr lang="ko-KR" altLang="en-US" smtClean="0"/>
-              <a:t>2016-06-05</a:t>
+              <a:t>2016-06-06</a:t>
             </a:fld>
             <a:endParaRPr lang="ko-KR" altLang="en-US"/>
           </a:p>
@@ -6560,6 +6560,9 @@
           <a:prstGeom prst="ellipse">
             <a:avLst/>
           </a:prstGeom>
+          <a:solidFill>
+            <a:srgbClr val="1482FC"/>
+          </a:solidFill>
           <a:ln w="19050"/>
         </p:spPr>
         <p:style>
@@ -6582,29 +6585,53 @@
           <a:p>
             <a:pPr algn="ctr"/>
             <a:r>
-              <a:rPr lang="en-US" altLang="ko-KR" sz="1200" dirty="0" err="1" smtClean="0"/>
+              <a:rPr lang="en-US" altLang="ko-KR" sz="1200" b="1" dirty="0" err="1" smtClean="0">
+                <a:solidFill>
+                  <a:schemeClr val="bg1"/>
+                </a:solidFill>
+              </a:rPr>
               <a:t>Youtube</a:t>
             </a:r>
             <a:r>
-              <a:rPr lang="en-US" altLang="ko-KR" sz="1200" dirty="0" smtClean="0"/>
+              <a:rPr lang="en-US" altLang="ko-KR" sz="1200" b="1" dirty="0" smtClean="0">
+                <a:solidFill>
+                  <a:schemeClr val="bg1"/>
+                </a:solidFill>
+              </a:rPr>
               <a:t> </a:t>
             </a:r>
           </a:p>
           <a:p>
             <a:pPr algn="ctr"/>
             <a:r>
-              <a:rPr lang="ko-KR" altLang="en-US" sz="1200" dirty="0" smtClean="0"/>
+              <a:rPr lang="ko-KR" altLang="en-US" sz="1200" b="1" dirty="0" smtClean="0">
+                <a:solidFill>
+                  <a:schemeClr val="bg1"/>
+                </a:solidFill>
+              </a:rPr>
               <a:t>동영상 </a:t>
             </a:r>
-            <a:endParaRPr lang="en-US" altLang="ko-KR" sz="1200" dirty="0" smtClean="0"/>
+            <a:endParaRPr lang="en-US" altLang="ko-KR" sz="1200" b="1" dirty="0" smtClean="0">
+              <a:solidFill>
+                <a:schemeClr val="bg1"/>
+              </a:solidFill>
+            </a:endParaRPr>
           </a:p>
           <a:p>
             <a:pPr algn="ctr"/>
             <a:r>
-              <a:rPr lang="ko-KR" altLang="en-US" sz="1200" dirty="0" smtClean="0"/>
+              <a:rPr lang="ko-KR" altLang="en-US" sz="1200" b="1" dirty="0" smtClean="0">
+                <a:solidFill>
+                  <a:schemeClr val="bg1"/>
+                </a:solidFill>
+              </a:rPr>
               <a:t>보기</a:t>
             </a:r>
-            <a:endParaRPr lang="ko-KR" altLang="en-US" sz="1200" dirty="0"/>
+            <a:endParaRPr lang="ko-KR" altLang="en-US" sz="1200" b="1" dirty="0">
+              <a:solidFill>
+                <a:schemeClr val="bg1"/>
+              </a:solidFill>
+            </a:endParaRPr>
           </a:p>
         </p:txBody>
       </p:sp>
@@ -6622,6 +6649,9 @@
           <a:prstGeom prst="ellipse">
             <a:avLst/>
           </a:prstGeom>
+          <a:solidFill>
+            <a:srgbClr val="1482FC"/>
+          </a:solidFill>
           <a:ln w="19050"/>
         </p:spPr>
         <p:style>
@@ -6644,18 +6674,34 @@
           <a:p>
             <a:pPr algn="ctr"/>
             <a:r>
-              <a:rPr lang="ko-KR" altLang="en-US" sz="1200" dirty="0" smtClean="0"/>
+              <a:rPr lang="ko-KR" altLang="en-US" sz="1200" b="1" dirty="0" smtClean="0">
+                <a:solidFill>
+                  <a:schemeClr val="bg1"/>
+                </a:solidFill>
+              </a:rPr>
               <a:t>글 </a:t>
             </a:r>
-            <a:endParaRPr lang="en-US" altLang="ko-KR" sz="1200" dirty="0" smtClean="0"/>
+            <a:endParaRPr lang="en-US" altLang="ko-KR" sz="1200" b="1" dirty="0" smtClean="0">
+              <a:solidFill>
+                <a:schemeClr val="bg1"/>
+              </a:solidFill>
+            </a:endParaRPr>
           </a:p>
           <a:p>
             <a:pPr algn="ctr"/>
             <a:r>
-              <a:rPr lang="ko-KR" altLang="en-US" sz="1200" dirty="0" smtClean="0"/>
+              <a:rPr lang="ko-KR" altLang="en-US" sz="1200" b="1" dirty="0" smtClean="0">
+                <a:solidFill>
+                  <a:schemeClr val="bg1"/>
+                </a:solidFill>
+              </a:rPr>
               <a:t>목록보기</a:t>
             </a:r>
-            <a:endParaRPr lang="ko-KR" altLang="en-US" sz="1200" dirty="0"/>
+            <a:endParaRPr lang="ko-KR" altLang="en-US" sz="1200" b="1" dirty="0">
+              <a:solidFill>
+                <a:schemeClr val="bg1"/>
+              </a:solidFill>
+            </a:endParaRPr>
           </a:p>
         </p:txBody>
       </p:sp>

--- a/doc/JAM LAND_웹서프final예비.pptx
+++ b/doc/JAM LAND_웹서프final예비.pptx
@@ -202,7 +202,7 @@
           <a:p>
             <a:fld id="{7D9C3A5C-62FC-4E22-B27D-2A6BFB67F9F6}" type="datetimeFigureOut">
               <a:rPr lang="ko-KR" altLang="en-US" smtClean="0"/>
-              <a:t>2016-06-06</a:t>
+              <a:t>2016-06-07</a:t>
             </a:fld>
             <a:endParaRPr lang="ko-KR" altLang="en-US"/>
           </a:p>
@@ -743,7 +743,7 @@
           <a:p>
             <a:fld id="{6182C935-0E14-4891-8B35-9AA240A71E44}" type="datetimeFigureOut">
               <a:rPr lang="ko-KR" altLang="en-US" smtClean="0"/>
-              <a:t>2016-06-06</a:t>
+              <a:t>2016-06-07</a:t>
             </a:fld>
             <a:endParaRPr lang="ko-KR" altLang="en-US"/>
           </a:p>
@@ -913,7 +913,7 @@
           <a:p>
             <a:fld id="{6182C935-0E14-4891-8B35-9AA240A71E44}" type="datetimeFigureOut">
               <a:rPr lang="ko-KR" altLang="en-US" smtClean="0"/>
-              <a:t>2016-06-06</a:t>
+              <a:t>2016-06-07</a:t>
             </a:fld>
             <a:endParaRPr lang="ko-KR" altLang="en-US"/>
           </a:p>
@@ -1093,7 +1093,7 @@
           <a:p>
             <a:fld id="{6182C935-0E14-4891-8B35-9AA240A71E44}" type="datetimeFigureOut">
               <a:rPr lang="ko-KR" altLang="en-US" smtClean="0"/>
-              <a:t>2016-06-06</a:t>
+              <a:t>2016-06-07</a:t>
             </a:fld>
             <a:endParaRPr lang="ko-KR" altLang="en-US"/>
           </a:p>
@@ -1263,7 +1263,7 @@
           <a:p>
             <a:fld id="{6182C935-0E14-4891-8B35-9AA240A71E44}" type="datetimeFigureOut">
               <a:rPr lang="ko-KR" altLang="en-US" smtClean="0"/>
-              <a:t>2016-06-06</a:t>
+              <a:t>2016-06-07</a:t>
             </a:fld>
             <a:endParaRPr lang="ko-KR" altLang="en-US"/>
           </a:p>
@@ -1509,7 +1509,7 @@
           <a:p>
             <a:fld id="{6182C935-0E14-4891-8B35-9AA240A71E44}" type="datetimeFigureOut">
               <a:rPr lang="ko-KR" altLang="en-US" smtClean="0"/>
-              <a:t>2016-06-06</a:t>
+              <a:t>2016-06-07</a:t>
             </a:fld>
             <a:endParaRPr lang="ko-KR" altLang="en-US"/>
           </a:p>
@@ -1797,7 +1797,7 @@
           <a:p>
             <a:fld id="{6182C935-0E14-4891-8B35-9AA240A71E44}" type="datetimeFigureOut">
               <a:rPr lang="ko-KR" altLang="en-US" smtClean="0"/>
-              <a:t>2016-06-06</a:t>
+              <a:t>2016-06-07</a:t>
             </a:fld>
             <a:endParaRPr lang="ko-KR" altLang="en-US"/>
           </a:p>
@@ -2219,7 +2219,7 @@
           <a:p>
             <a:fld id="{6182C935-0E14-4891-8B35-9AA240A71E44}" type="datetimeFigureOut">
               <a:rPr lang="ko-KR" altLang="en-US" smtClean="0"/>
-              <a:t>2016-06-06</a:t>
+              <a:t>2016-06-07</a:t>
             </a:fld>
             <a:endParaRPr lang="ko-KR" altLang="en-US"/>
           </a:p>
@@ -2337,7 +2337,7 @@
           <a:p>
             <a:fld id="{6182C935-0E14-4891-8B35-9AA240A71E44}" type="datetimeFigureOut">
               <a:rPr lang="ko-KR" altLang="en-US" smtClean="0"/>
-              <a:t>2016-06-06</a:t>
+              <a:t>2016-06-07</a:t>
             </a:fld>
             <a:endParaRPr lang="ko-KR" altLang="en-US"/>
           </a:p>
@@ -2432,7 +2432,7 @@
           <a:p>
             <a:fld id="{6182C935-0E14-4891-8B35-9AA240A71E44}" type="datetimeFigureOut">
               <a:rPr lang="ko-KR" altLang="en-US" smtClean="0"/>
-              <a:t>2016-06-06</a:t>
+              <a:t>2016-06-07</a:t>
             </a:fld>
             <a:endParaRPr lang="ko-KR" altLang="en-US"/>
           </a:p>
@@ -2709,7 +2709,7 @@
           <a:p>
             <a:fld id="{6182C935-0E14-4891-8B35-9AA240A71E44}" type="datetimeFigureOut">
               <a:rPr lang="ko-KR" altLang="en-US" smtClean="0"/>
-              <a:t>2016-06-06</a:t>
+              <a:t>2016-06-07</a:t>
             </a:fld>
             <a:endParaRPr lang="ko-KR" altLang="en-US"/>
           </a:p>
@@ -2962,7 +2962,7 @@
           <a:p>
             <a:fld id="{6182C935-0E14-4891-8B35-9AA240A71E44}" type="datetimeFigureOut">
               <a:rPr lang="ko-KR" altLang="en-US" smtClean="0"/>
-              <a:t>2016-06-06</a:t>
+              <a:t>2016-06-07</a:t>
             </a:fld>
             <a:endParaRPr lang="ko-KR" altLang="en-US"/>
           </a:p>
@@ -3175,7 +3175,7 @@
           <a:p>
             <a:fld id="{6182C935-0E14-4891-8B35-9AA240A71E44}" type="datetimeFigureOut">
               <a:rPr lang="ko-KR" altLang="en-US" smtClean="0"/>
-              <a:t>2016-06-06</a:t>
+              <a:t>2016-06-07</a:t>
             </a:fld>
             <a:endParaRPr lang="ko-KR" altLang="en-US"/>
           </a:p>
@@ -4364,22 +4364,22 @@
               </a:lnSpc>
             </a:pPr>
             <a:r>
-              <a:rPr lang="en-US" altLang="ko-KR" sz="2800" b="1" dirty="0" smtClean="0"/>
+              <a:rPr lang="en-US" altLang="ko-KR" sz="2800" b="1" strike="sngStrike" dirty="0" smtClean="0"/>
               <a:t>MVC </a:t>
             </a:r>
             <a:r>
-              <a:rPr lang="ko-KR" altLang="en-US" sz="2800" b="1" dirty="0" smtClean="0"/>
+              <a:rPr lang="ko-KR" altLang="en-US" sz="2800" b="1" strike="sngStrike" dirty="0" smtClean="0"/>
               <a:t>패턴의 </a:t>
             </a:r>
             <a:r>
-              <a:rPr lang="en-US" altLang="ko-KR" sz="2800" b="1" dirty="0" smtClean="0"/>
+              <a:rPr lang="en-US" altLang="ko-KR" sz="2800" b="1" strike="sngStrike" dirty="0" smtClean="0"/>
               <a:t>Controller – View </a:t>
             </a:r>
             <a:r>
-              <a:rPr lang="ko-KR" altLang="en-US" sz="2800" b="1" dirty="0" smtClean="0"/>
+              <a:rPr lang="ko-KR" altLang="en-US" sz="2800" b="1" strike="sngStrike" dirty="0" smtClean="0"/>
               <a:t>연결</a:t>
             </a:r>
-            <a:endParaRPr lang="en-US" altLang="ko-KR" sz="2800" b="1" dirty="0" smtClean="0"/>
+            <a:endParaRPr lang="en-US" altLang="ko-KR" sz="2800" b="1" strike="sngStrike" dirty="0" smtClean="0"/>
           </a:p>
           <a:p>
             <a:pPr>
@@ -4388,22 +4388,22 @@
               </a:lnSpc>
             </a:pPr>
             <a:r>
-              <a:rPr lang="en-US" altLang="ko-KR" sz="2800" b="1" dirty="0" smtClean="0"/>
+              <a:rPr lang="en-US" altLang="ko-KR" sz="2800" b="1" strike="sngStrike" dirty="0" smtClean="0"/>
               <a:t>JavaScript</a:t>
             </a:r>
             <a:r>
-              <a:rPr lang="ko-KR" altLang="en-US" sz="2800" b="1" dirty="0" smtClean="0"/>
+              <a:rPr lang="ko-KR" altLang="en-US" sz="2800" b="1" strike="sngStrike" dirty="0" smtClean="0"/>
               <a:t>와 </a:t>
             </a:r>
             <a:r>
-              <a:rPr lang="en-US" altLang="ko-KR" sz="2800" b="1" dirty="0" smtClean="0"/>
+              <a:rPr lang="en-US" altLang="ko-KR" sz="2800" b="1" strike="sngStrike" dirty="0" smtClean="0"/>
               <a:t>Java</a:t>
             </a:r>
             <a:r>
-              <a:rPr lang="ko-KR" altLang="en-US" sz="2800" b="1" dirty="0" smtClean="0"/>
+              <a:rPr lang="ko-KR" altLang="en-US" sz="2800" b="1" strike="sngStrike" dirty="0" smtClean="0"/>
               <a:t>간의 통신</a:t>
             </a:r>
-            <a:endParaRPr lang="en-US" altLang="ko-KR" sz="2800" b="1" dirty="0" smtClean="0"/>
+            <a:endParaRPr lang="en-US" altLang="ko-KR" sz="2800" b="1" strike="sngStrike" dirty="0" smtClean="0"/>
           </a:p>
           <a:p>
             <a:pPr>
@@ -6674,14 +6674,14 @@
           <a:p>
             <a:pPr algn="ctr"/>
             <a:r>
-              <a:rPr lang="ko-KR" altLang="en-US" sz="1200" b="1" dirty="0" smtClean="0">
+              <a:rPr lang="ko-KR" altLang="en-US" sz="1200" b="1" dirty="0">
                 <a:solidFill>
                   <a:schemeClr val="bg1"/>
                 </a:solidFill>
               </a:rPr>
               <a:t>글 </a:t>
             </a:r>
-            <a:endParaRPr lang="en-US" altLang="ko-KR" sz="1200" b="1" dirty="0" smtClean="0">
+            <a:endParaRPr lang="en-US" altLang="ko-KR" sz="1200" b="1" dirty="0">
               <a:solidFill>
                 <a:schemeClr val="bg1"/>
               </a:solidFill>
@@ -6690,7 +6690,7 @@
           <a:p>
             <a:pPr algn="ctr"/>
             <a:r>
-              <a:rPr lang="ko-KR" altLang="en-US" sz="1200" b="1" dirty="0" smtClean="0">
+              <a:rPr lang="ko-KR" altLang="en-US" sz="1200" b="1" dirty="0">
                 <a:solidFill>
                   <a:schemeClr val="bg1"/>
                 </a:solidFill>
@@ -6719,6 +6719,9 @@
           <a:prstGeom prst="ellipse">
             <a:avLst/>
           </a:prstGeom>
+          <a:solidFill>
+            <a:srgbClr val="1482FC"/>
+          </a:solidFill>
           <a:ln w="19050"/>
         </p:spPr>
         <p:style>
@@ -6741,10 +6744,18 @@
           <a:p>
             <a:pPr algn="ctr"/>
             <a:r>
-              <a:rPr lang="ko-KR" altLang="en-US" sz="1200" dirty="0" smtClean="0"/>
+              <a:rPr lang="ko-KR" altLang="en-US" sz="1200" b="1" dirty="0">
+                <a:solidFill>
+                  <a:schemeClr val="bg1"/>
+                </a:solidFill>
+              </a:rPr>
               <a:t>글 작성</a:t>
             </a:r>
-            <a:endParaRPr lang="ko-KR" altLang="en-US" sz="1200" dirty="0"/>
+            <a:endParaRPr lang="ko-KR" altLang="en-US" sz="1200" b="1" dirty="0">
+              <a:solidFill>
+                <a:schemeClr val="bg1"/>
+              </a:solidFill>
+            </a:endParaRPr>
           </a:p>
         </p:txBody>
       </p:sp>
@@ -6784,7 +6795,7 @@
           <a:p>
             <a:pPr algn="ctr"/>
             <a:r>
-              <a:rPr lang="ko-KR" altLang="en-US" sz="1200" dirty="0" smtClean="0"/>
+              <a:rPr lang="ko-KR" altLang="en-US" sz="1200" dirty="0"/>
               <a:t>추천하기</a:t>
             </a:r>
             <a:endParaRPr lang="ko-KR" altLang="en-US" sz="1200" dirty="0"/>
@@ -6805,6 +6816,9 @@
           <a:prstGeom prst="ellipse">
             <a:avLst/>
           </a:prstGeom>
+          <a:solidFill>
+            <a:srgbClr val="1482FC"/>
+          </a:solidFill>
           <a:ln w="19050"/>
         </p:spPr>
         <p:style>
@@ -6827,22 +6841,42 @@
           <a:p>
             <a:pPr algn="ctr"/>
             <a:r>
-              <a:rPr lang="en-US" altLang="ko-KR" sz="1200" dirty="0" smtClean="0"/>
+              <a:rPr lang="en-US" altLang="ko-KR" sz="1200" b="1" dirty="0">
+                <a:solidFill>
+                  <a:schemeClr val="bg1"/>
+                </a:solidFill>
+              </a:rPr>
               <a:t>SNS</a:t>
             </a:r>
             <a:r>
-              <a:rPr lang="ko-KR" altLang="en-US" sz="1200" dirty="0" smtClean="0"/>
+              <a:rPr lang="ko-KR" altLang="en-US" sz="1200" b="1" dirty="0">
+                <a:solidFill>
+                  <a:schemeClr val="bg1"/>
+                </a:solidFill>
+              </a:rPr>
               <a:t>로 </a:t>
             </a:r>
-            <a:endParaRPr lang="en-US" altLang="ko-KR" sz="1200" dirty="0" smtClean="0"/>
+            <a:endParaRPr lang="en-US" altLang="ko-KR" sz="1200" b="1" dirty="0">
+              <a:solidFill>
+                <a:schemeClr val="bg1"/>
+              </a:solidFill>
+            </a:endParaRPr>
           </a:p>
           <a:p>
             <a:pPr algn="ctr"/>
             <a:r>
-              <a:rPr lang="ko-KR" altLang="en-US" sz="1200" dirty="0" smtClean="0"/>
+              <a:rPr lang="ko-KR" altLang="en-US" sz="1200" b="1" dirty="0">
+                <a:solidFill>
+                  <a:schemeClr val="bg1"/>
+                </a:solidFill>
+              </a:rPr>
               <a:t>공유하기</a:t>
             </a:r>
-            <a:endParaRPr lang="ko-KR" altLang="en-US" sz="1200" dirty="0"/>
+            <a:endParaRPr lang="ko-KR" altLang="en-US" sz="1200" b="1" dirty="0">
+              <a:solidFill>
+                <a:schemeClr val="bg1"/>
+              </a:solidFill>
+            </a:endParaRPr>
           </a:p>
         </p:txBody>
       </p:sp>
@@ -6860,6 +6894,9 @@
           <a:prstGeom prst="ellipse">
             <a:avLst/>
           </a:prstGeom>
+          <a:solidFill>
+            <a:srgbClr val="1482FC"/>
+          </a:solidFill>
           <a:ln w="19050"/>
         </p:spPr>
         <p:style>
@@ -6882,34 +6919,66 @@
           <a:p>
             <a:pPr algn="ctr"/>
             <a:r>
-              <a:rPr lang="ko-KR" altLang="en-US" sz="1200" dirty="0" smtClean="0"/>
+              <a:rPr lang="ko-KR" altLang="en-US" sz="1200" b="1" dirty="0">
+                <a:solidFill>
+                  <a:schemeClr val="bg1"/>
+                </a:solidFill>
+              </a:rPr>
               <a:t>글</a:t>
             </a:r>
             <a:r>
-              <a:rPr lang="en-US" altLang="ko-KR" sz="1200" dirty="0" smtClean="0"/>
+              <a:rPr lang="en-US" altLang="ko-KR" sz="1200" b="1" dirty="0">
+                <a:solidFill>
+                  <a:schemeClr val="bg1"/>
+                </a:solidFill>
+              </a:rPr>
               <a:t>, </a:t>
             </a:r>
             <a:r>
-              <a:rPr lang="ko-KR" altLang="en-US" sz="1200" dirty="0" smtClean="0"/>
+              <a:rPr lang="ko-KR" altLang="en-US" sz="1200" b="1" dirty="0">
+                <a:solidFill>
+                  <a:schemeClr val="bg1"/>
+                </a:solidFill>
+              </a:rPr>
               <a:t>목</a:t>
             </a:r>
             <a:r>
-              <a:rPr lang="ko-KR" altLang="en-US" sz="1200" dirty="0"/>
+              <a:rPr lang="ko-KR" altLang="en-US" sz="1200" b="1" dirty="0">
+                <a:solidFill>
+                  <a:schemeClr val="bg1"/>
+                </a:solidFill>
+              </a:rPr>
               <a:t>록</a:t>
             </a:r>
             <a:r>
-              <a:rPr lang="ko-KR" altLang="en-US" sz="1200" dirty="0" smtClean="0"/>
+              <a:rPr lang="ko-KR" altLang="en-US" sz="1200" b="1" dirty="0">
+                <a:solidFill>
+                  <a:schemeClr val="bg1"/>
+                </a:solidFill>
+              </a:rPr>
               <a:t> </a:t>
             </a:r>
-            <a:endParaRPr lang="en-US" altLang="ko-KR" sz="1200" dirty="0" smtClean="0"/>
+            <a:endParaRPr lang="en-US" altLang="ko-KR" sz="1200" b="1" dirty="0">
+              <a:solidFill>
+                <a:schemeClr val="bg1"/>
+              </a:solidFill>
+            </a:endParaRPr>
           </a:p>
           <a:p>
             <a:pPr algn="ctr"/>
             <a:r>
-              <a:rPr lang="ko-KR" altLang="en-US" sz="1200" dirty="0" smtClean="0"/>
+              <a:rPr lang="ko-KR" altLang="en-US" sz="1200" b="1" dirty="0">
+                <a:solidFill>
+                  <a:schemeClr val="bg1"/>
+                </a:solidFill>
+              </a:rPr>
               <a:t>편집</a:t>
             </a:r>
-            <a:endParaRPr lang="ko-KR" altLang="en-US" sz="1200" dirty="0"/>
+            <a:endParaRPr lang="ko-KR" altLang="en-US" sz="1200" b="1" dirty="0">
+              <a:solidFill>
+                <a:schemeClr val="bg1"/>
+              </a:solidFill>
+            </a:endParaRPr>
           </a:p>
         </p:txBody>
       </p:sp>
@@ -6927,6 +6996,9 @@
           <a:prstGeom prst="ellipse">
             <a:avLst/>
           </a:prstGeom>
+          <a:solidFill>
+            <a:srgbClr val="1482FC"/>
+          </a:solidFill>
           <a:ln w="19050"/>
         </p:spPr>
         <p:style>
@@ -6949,11 +7021,19 @@
           <a:p>
             <a:pPr algn="ctr"/>
             <a:r>
-              <a:rPr lang="en-US" altLang="ko-KR" sz="1200" dirty="0" err="1" smtClean="0"/>
+              <a:rPr lang="en-US" altLang="ko-KR" sz="1200" b="1" dirty="0" err="1">
+                <a:solidFill>
+                  <a:schemeClr val="bg1"/>
+                </a:solidFill>
+              </a:rPr>
               <a:t>Youtube</a:t>
             </a:r>
             <a:r>
-              <a:rPr lang="en-US" altLang="ko-KR" sz="1200" dirty="0" smtClean="0"/>
+              <a:rPr lang="en-US" altLang="ko-KR" sz="1200" b="1" dirty="0">
+                <a:solidFill>
+                  <a:schemeClr val="bg1"/>
+                </a:solidFill>
+              </a:rPr>
               <a:t> API</a:t>
             </a:r>
           </a:p>
@@ -6973,6 +7053,9 @@
           <a:prstGeom prst="ellipse">
             <a:avLst/>
           </a:prstGeom>
+          <a:solidFill>
+            <a:srgbClr val="1482FC"/>
+          </a:solidFill>
           <a:ln w="19050"/>
         </p:spPr>
         <p:style>
@@ -6995,10 +7078,18 @@
           <a:p>
             <a:pPr algn="ctr"/>
             <a:r>
-              <a:rPr lang="en-US" altLang="ko-KR" sz="1200" dirty="0" smtClean="0"/>
+              <a:rPr lang="en-US" altLang="ko-KR" sz="1200" b="1" dirty="0">
+                <a:solidFill>
+                  <a:schemeClr val="bg1"/>
+                </a:solidFill>
+              </a:rPr>
               <a:t>Facebook API</a:t>
             </a:r>
-            <a:endParaRPr lang="ko-KR" altLang="en-US" sz="1200" dirty="0"/>
+            <a:endParaRPr lang="ko-KR" altLang="en-US" sz="1200" b="1" dirty="0">
+              <a:solidFill>
+                <a:schemeClr val="bg1"/>
+              </a:solidFill>
+            </a:endParaRPr>
           </a:p>
         </p:txBody>
       </p:sp>
@@ -7016,6 +7107,9 @@
           <a:prstGeom prst="ellipse">
             <a:avLst/>
           </a:prstGeom>
+          <a:solidFill>
+            <a:srgbClr val="1482FC"/>
+          </a:solidFill>
           <a:ln w="19050"/>
         </p:spPr>
         <p:style>
@@ -7038,10 +7132,18 @@
           <a:p>
             <a:pPr algn="ctr"/>
             <a:r>
-              <a:rPr lang="en-US" altLang="ko-KR" sz="1200" dirty="0" smtClean="0"/>
+              <a:rPr lang="en-US" altLang="ko-KR" sz="1200" b="1" dirty="0">
+                <a:solidFill>
+                  <a:schemeClr val="bg1"/>
+                </a:solidFill>
+              </a:rPr>
               <a:t>Twitter API</a:t>
             </a:r>
-            <a:endParaRPr lang="ko-KR" altLang="en-US" sz="1200" dirty="0"/>
+            <a:endParaRPr lang="ko-KR" altLang="en-US" sz="1200" b="1" dirty="0">
+              <a:solidFill>
+                <a:schemeClr val="bg1"/>
+              </a:solidFill>
+            </a:endParaRPr>
           </a:p>
         </p:txBody>
       </p:sp>
